--- a/Documentation/WIREFRAMES/WIREFRAME FILE.pptx
+++ b/Documentation/WIREFRAMES/WIREFRAME FILE.pptx
@@ -118,6 +118,11 @@
       </a:defRPr>
     </a:lvl9pPr>
   </p:defaultTextStyle>
+  <p:extLst>
+    <p:ext uri="{EFAFB233-063F-42B5-8137-9DF3F51BA10A}">
+      <p15:sldGuideLst xmlns:p15="http://schemas.microsoft.com/office/powerpoint/2012/main"/>
+    </p:ext>
+  </p:extLst>
 </p:presentation>
 </file>
 
@@ -270,7 +275,7 @@
           <a:p>
             <a:fld id="{602054E6-F71E-40A2-9EBA-56976D883B22}" type="datetimeFigureOut">
               <a:rPr lang="en-PH" smtClean="0"/>
-              <a:t>24/08/2018</a:t>
+              <a:t>27/08/2018</a:t>
             </a:fld>
             <a:endParaRPr lang="en-PH"/>
           </a:p>
@@ -470,7 +475,7 @@
           <a:p>
             <a:fld id="{602054E6-F71E-40A2-9EBA-56976D883B22}" type="datetimeFigureOut">
               <a:rPr lang="en-PH" smtClean="0"/>
-              <a:t>24/08/2018</a:t>
+              <a:t>27/08/2018</a:t>
             </a:fld>
             <a:endParaRPr lang="en-PH"/>
           </a:p>
@@ -680,7 +685,7 @@
           <a:p>
             <a:fld id="{602054E6-F71E-40A2-9EBA-56976D883B22}" type="datetimeFigureOut">
               <a:rPr lang="en-PH" smtClean="0"/>
-              <a:t>24/08/2018</a:t>
+              <a:t>27/08/2018</a:t>
             </a:fld>
             <a:endParaRPr lang="en-PH"/>
           </a:p>
@@ -880,7 +885,7 @@
           <a:p>
             <a:fld id="{602054E6-F71E-40A2-9EBA-56976D883B22}" type="datetimeFigureOut">
               <a:rPr lang="en-PH" smtClean="0"/>
-              <a:t>24/08/2018</a:t>
+              <a:t>27/08/2018</a:t>
             </a:fld>
             <a:endParaRPr lang="en-PH"/>
           </a:p>
@@ -1156,7 +1161,7 @@
           <a:p>
             <a:fld id="{602054E6-F71E-40A2-9EBA-56976D883B22}" type="datetimeFigureOut">
               <a:rPr lang="en-PH" smtClean="0"/>
-              <a:t>24/08/2018</a:t>
+              <a:t>27/08/2018</a:t>
             </a:fld>
             <a:endParaRPr lang="en-PH"/>
           </a:p>
@@ -1424,7 +1429,7 @@
           <a:p>
             <a:fld id="{602054E6-F71E-40A2-9EBA-56976D883B22}" type="datetimeFigureOut">
               <a:rPr lang="en-PH" smtClean="0"/>
-              <a:t>24/08/2018</a:t>
+              <a:t>27/08/2018</a:t>
             </a:fld>
             <a:endParaRPr lang="en-PH"/>
           </a:p>
@@ -1839,7 +1844,7 @@
           <a:p>
             <a:fld id="{602054E6-F71E-40A2-9EBA-56976D883B22}" type="datetimeFigureOut">
               <a:rPr lang="en-PH" smtClean="0"/>
-              <a:t>24/08/2018</a:t>
+              <a:t>27/08/2018</a:t>
             </a:fld>
             <a:endParaRPr lang="en-PH"/>
           </a:p>
@@ -1981,7 +1986,7 @@
           <a:p>
             <a:fld id="{602054E6-F71E-40A2-9EBA-56976D883B22}" type="datetimeFigureOut">
               <a:rPr lang="en-PH" smtClean="0"/>
-              <a:t>24/08/2018</a:t>
+              <a:t>27/08/2018</a:t>
             </a:fld>
             <a:endParaRPr lang="en-PH"/>
           </a:p>
@@ -2094,7 +2099,7 @@
           <a:p>
             <a:fld id="{602054E6-F71E-40A2-9EBA-56976D883B22}" type="datetimeFigureOut">
               <a:rPr lang="en-PH" smtClean="0"/>
-              <a:t>24/08/2018</a:t>
+              <a:t>27/08/2018</a:t>
             </a:fld>
             <a:endParaRPr lang="en-PH"/>
           </a:p>
@@ -2407,7 +2412,7 @@
           <a:p>
             <a:fld id="{602054E6-F71E-40A2-9EBA-56976D883B22}" type="datetimeFigureOut">
               <a:rPr lang="en-PH" smtClean="0"/>
-              <a:t>24/08/2018</a:t>
+              <a:t>27/08/2018</a:t>
             </a:fld>
             <a:endParaRPr lang="en-PH"/>
           </a:p>
@@ -2696,7 +2701,7 @@
           <a:p>
             <a:fld id="{602054E6-F71E-40A2-9EBA-56976D883B22}" type="datetimeFigureOut">
               <a:rPr lang="en-PH" smtClean="0"/>
-              <a:t>24/08/2018</a:t>
+              <a:t>27/08/2018</a:t>
             </a:fld>
             <a:endParaRPr lang="en-PH"/>
           </a:p>
@@ -2939,7 +2944,7 @@
           <a:p>
             <a:fld id="{602054E6-F71E-40A2-9EBA-56976D883B22}" type="datetimeFigureOut">
               <a:rPr lang="en-PH" smtClean="0"/>
-              <a:t>24/08/2018</a:t>
+              <a:t>27/08/2018</a:t>
             </a:fld>
             <a:endParaRPr lang="en-PH"/>
           </a:p>
@@ -17330,7 +17335,7 @@
                   <a:schemeClr val="tx1"/>
                 </a:solidFill>
               </a:rPr>
-              <a:t>Section ID	Section Name	Level				Action</a:t>
+              <a:t>Section ID	Section Name	Level		Class Adviser	Action</a:t>
             </a:r>
           </a:p>
           <a:p>
@@ -17347,7 +17352,7 @@
                   <a:schemeClr val="tx1"/>
                 </a:solidFill>
               </a:rPr>
-              <a:t>1		Medalle		Grade 1				</a:t>
+              <a:t>1		Medalle		Grade 1		Yes			</a:t>
             </a:r>
           </a:p>
           <a:p>
